--- a/LOG/0115.pptx
+++ b/LOG/0115.pptx
@@ -13,6 +13,8 @@
     <p:sldId id="262" r:id="rId7"/>
     <p:sldId id="263" r:id="rId8"/>
     <p:sldId id="264" r:id="rId9"/>
+    <p:sldId id="265" r:id="rId10"/>
+    <p:sldId id="258" r:id="rId11"/>
   </p:sldIdLst>
   <p:sldSz cx="12192000" cy="6858000"/>
   <p:notesSz cx="6858000" cy="9144000"/>
@@ -111,6 +113,11 @@
       </a:defRPr>
     </a:lvl9pPr>
   </p:defaultTextStyle>
+  <p:extLst>
+    <p:ext uri="{EFAFB233-063F-42B5-8137-9DF3F51BA10A}">
+      <p15:sldGuideLst xmlns:p15="http://schemas.microsoft.com/office/powerpoint/2012/main"/>
+    </p:ext>
+  </p:extLst>
 </p:presentation>
 </file>
 
@@ -261,7 +268,7 @@
           <a:p>
             <a:fld id="{9CB5C72E-E179-4AEB-A232-287B189AF07E}" type="datetimeFigureOut">
               <a:rPr lang="zh-TW" altLang="en-US" smtClean="0"/>
-              <a:t>2025/1/15</a:t>
+              <a:t>2025/1/19</a:t>
             </a:fld>
             <a:endParaRPr lang="zh-TW" altLang="en-US"/>
           </a:p>
@@ -459,7 +466,7 @@
           <a:p>
             <a:fld id="{9CB5C72E-E179-4AEB-A232-287B189AF07E}" type="datetimeFigureOut">
               <a:rPr lang="zh-TW" altLang="en-US" smtClean="0"/>
-              <a:t>2025/1/15</a:t>
+              <a:t>2025/1/19</a:t>
             </a:fld>
             <a:endParaRPr lang="zh-TW" altLang="en-US"/>
           </a:p>
@@ -667,7 +674,7 @@
           <a:p>
             <a:fld id="{9CB5C72E-E179-4AEB-A232-287B189AF07E}" type="datetimeFigureOut">
               <a:rPr lang="zh-TW" altLang="en-US" smtClean="0"/>
-              <a:t>2025/1/15</a:t>
+              <a:t>2025/1/19</a:t>
             </a:fld>
             <a:endParaRPr lang="zh-TW" altLang="en-US"/>
           </a:p>
@@ -865,7 +872,7 @@
           <a:p>
             <a:fld id="{9CB5C72E-E179-4AEB-A232-287B189AF07E}" type="datetimeFigureOut">
               <a:rPr lang="zh-TW" altLang="en-US" smtClean="0"/>
-              <a:t>2025/1/15</a:t>
+              <a:t>2025/1/19</a:t>
             </a:fld>
             <a:endParaRPr lang="zh-TW" altLang="en-US"/>
           </a:p>
@@ -1140,7 +1147,7 @@
           <a:p>
             <a:fld id="{9CB5C72E-E179-4AEB-A232-287B189AF07E}" type="datetimeFigureOut">
               <a:rPr lang="zh-TW" altLang="en-US" smtClean="0"/>
-              <a:t>2025/1/15</a:t>
+              <a:t>2025/1/19</a:t>
             </a:fld>
             <a:endParaRPr lang="zh-TW" altLang="en-US"/>
           </a:p>
@@ -1405,7 +1412,7 @@
           <a:p>
             <a:fld id="{9CB5C72E-E179-4AEB-A232-287B189AF07E}" type="datetimeFigureOut">
               <a:rPr lang="zh-TW" altLang="en-US" smtClean="0"/>
-              <a:t>2025/1/15</a:t>
+              <a:t>2025/1/19</a:t>
             </a:fld>
             <a:endParaRPr lang="zh-TW" altLang="en-US"/>
           </a:p>
@@ -1817,7 +1824,7 @@
           <a:p>
             <a:fld id="{9CB5C72E-E179-4AEB-A232-287B189AF07E}" type="datetimeFigureOut">
               <a:rPr lang="zh-TW" altLang="en-US" smtClean="0"/>
-              <a:t>2025/1/15</a:t>
+              <a:t>2025/1/19</a:t>
             </a:fld>
             <a:endParaRPr lang="zh-TW" altLang="en-US"/>
           </a:p>
@@ -1958,7 +1965,7 @@
           <a:p>
             <a:fld id="{9CB5C72E-E179-4AEB-A232-287B189AF07E}" type="datetimeFigureOut">
               <a:rPr lang="zh-TW" altLang="en-US" smtClean="0"/>
-              <a:t>2025/1/15</a:t>
+              <a:t>2025/1/19</a:t>
             </a:fld>
             <a:endParaRPr lang="zh-TW" altLang="en-US"/>
           </a:p>
@@ -2071,7 +2078,7 @@
           <a:p>
             <a:fld id="{9CB5C72E-E179-4AEB-A232-287B189AF07E}" type="datetimeFigureOut">
               <a:rPr lang="zh-TW" altLang="en-US" smtClean="0"/>
-              <a:t>2025/1/15</a:t>
+              <a:t>2025/1/19</a:t>
             </a:fld>
             <a:endParaRPr lang="zh-TW" altLang="en-US"/>
           </a:p>
@@ -2382,7 +2389,7 @@
           <a:p>
             <a:fld id="{9CB5C72E-E179-4AEB-A232-287B189AF07E}" type="datetimeFigureOut">
               <a:rPr lang="zh-TW" altLang="en-US" smtClean="0"/>
-              <a:t>2025/1/15</a:t>
+              <a:t>2025/1/19</a:t>
             </a:fld>
             <a:endParaRPr lang="zh-TW" altLang="en-US"/>
           </a:p>
@@ -2670,7 +2677,7 @@
           <a:p>
             <a:fld id="{9CB5C72E-E179-4AEB-A232-287B189AF07E}" type="datetimeFigureOut">
               <a:rPr lang="zh-TW" altLang="en-US" smtClean="0"/>
-              <a:t>2025/1/15</a:t>
+              <a:t>2025/1/19</a:t>
             </a:fld>
             <a:endParaRPr lang="zh-TW" altLang="en-US"/>
           </a:p>
@@ -2911,7 +2918,7 @@
           <a:p>
             <a:fld id="{9CB5C72E-E179-4AEB-A232-287B189AF07E}" type="datetimeFigureOut">
               <a:rPr lang="zh-TW" altLang="en-US" smtClean="0"/>
-              <a:t>2025/1/15</a:t>
+              <a:t>2025/1/19</a:t>
             </a:fld>
             <a:endParaRPr lang="zh-TW" altLang="en-US"/>
           </a:p>
@@ -3395,6 +3402,157 @@
 </p:sld>
 </file>
 
+<file path=ppt/slides/slide10.xml><?xml version="1.0" encoding="utf-8"?>
+<p:sld xmlns:a="http://schemas.openxmlformats.org/drawingml/2006/main" xmlns:r="http://schemas.openxmlformats.org/officeDocument/2006/relationships" xmlns:p="http://schemas.openxmlformats.org/presentationml/2006/main">
+  <p:cSld>
+    <p:spTree>
+      <p:nvGrpSpPr>
+        <p:cNvPr id="1" name=""/>
+        <p:cNvGrpSpPr/>
+        <p:nvPr/>
+      </p:nvGrpSpPr>
+      <p:grpSpPr>
+        <a:xfrm>
+          <a:off x="0" y="0"/>
+          <a:ext cx="0" cy="0"/>
+          <a:chOff x="0" y="0"/>
+          <a:chExt cx="0" cy="0"/>
+        </a:xfrm>
+      </p:grpSpPr>
+      <p:sp>
+        <p:nvSpPr>
+          <p:cNvPr id="2" name="標題 1">
+            <a:extLst>
+              <a:ext uri="{FF2B5EF4-FFF2-40B4-BE49-F238E27FC236}">
+                <a16:creationId xmlns:a16="http://schemas.microsoft.com/office/drawing/2014/main" id="{38343E12-19F9-1845-88F1-1759FDA373F1}"/>
+              </a:ext>
+            </a:extLst>
+          </p:cNvPr>
+          <p:cNvSpPr>
+            <a:spLocks noGrp="1"/>
+          </p:cNvSpPr>
+          <p:nvPr>
+            <p:ph type="title"/>
+          </p:nvPr>
+        </p:nvSpPr>
+        <p:spPr/>
+        <p:txBody>
+          <a:bodyPr/>
+          <a:lstStyle/>
+          <a:p>
+            <a:endParaRPr lang="zh-TW" altLang="en-US" dirty="0"/>
+          </a:p>
+        </p:txBody>
+      </p:sp>
+      <p:sp>
+        <p:nvSpPr>
+          <p:cNvPr id="3" name="內容版面配置區 2">
+            <a:extLst>
+              <a:ext uri="{FF2B5EF4-FFF2-40B4-BE49-F238E27FC236}">
+                <a16:creationId xmlns:a16="http://schemas.microsoft.com/office/drawing/2014/main" id="{B44A2B20-8345-9C80-0BFB-4BC9DDDEB439}"/>
+              </a:ext>
+            </a:extLst>
+          </p:cNvPr>
+          <p:cNvSpPr>
+            <a:spLocks noGrp="1"/>
+          </p:cNvSpPr>
+          <p:nvPr>
+            <p:ph idx="1"/>
+          </p:nvPr>
+        </p:nvSpPr>
+        <p:spPr/>
+        <p:txBody>
+          <a:bodyPr/>
+          <a:lstStyle/>
+          <a:p>
+            <a:r>
+              <a:rPr lang="en-US" altLang="zh-TW" dirty="0"/>
+              <a:t>Hash set(</a:t>
+            </a:r>
+            <a:r>
+              <a:rPr lang="zh-TW" altLang="en-US" dirty="0"/>
+              <a:t>快樂數作業可套用</a:t>
+            </a:r>
+            <a:r>
+              <a:rPr lang="en-US" altLang="zh-TW" dirty="0"/>
+              <a:t>)</a:t>
+            </a:r>
+          </a:p>
+          <a:p>
+            <a:r>
+              <a:rPr lang="zh-TW" altLang="en-US" dirty="0"/>
+              <a:t>思考物件容器與功能拆分</a:t>
+            </a:r>
+            <a:endParaRPr lang="en-US" altLang="zh-TW" dirty="0"/>
+          </a:p>
+          <a:p>
+            <a:r>
+              <a:rPr lang="zh-TW" altLang="en-US" dirty="0"/>
+              <a:t>使用的意義，甚麼場景需要</a:t>
+            </a:r>
+            <a:endParaRPr lang="en-US" altLang="zh-TW" dirty="0"/>
+          </a:p>
+          <a:p>
+            <a:r>
+              <a:rPr lang="en-US" altLang="zh-TW" dirty="0"/>
+              <a:t>String pool</a:t>
+            </a:r>
+            <a:r>
+              <a:rPr lang="zh-TW" altLang="en-US" dirty="0"/>
+              <a:t>、</a:t>
+            </a:r>
+            <a:r>
+              <a:rPr lang="en-US" altLang="zh-TW" dirty="0"/>
+              <a:t>DB pool</a:t>
+            </a:r>
+            <a:r>
+              <a:rPr lang="zh-TW" altLang="en-US" dirty="0"/>
+              <a:t>、</a:t>
+            </a:r>
+            <a:r>
+              <a:rPr lang="en-US" altLang="zh-TW" dirty="0"/>
+              <a:t>…thread pool</a:t>
+            </a:r>
+          </a:p>
+          <a:p>
+            <a:r>
+              <a:rPr lang="zh-TW" altLang="en-US" dirty="0"/>
+              <a:t>回文作業 </a:t>
+            </a:r>
+            <a:r>
+              <a:rPr lang="en-US" altLang="zh-TW" dirty="0"/>
+              <a:t>: </a:t>
+            </a:r>
+            <a:r>
+              <a:rPr lang="zh-TW" altLang="en-US" dirty="0"/>
+              <a:t>把功能、步驟分離。</a:t>
+            </a:r>
+            <a:endParaRPr lang="en-US" altLang="zh-TW" dirty="0"/>
+          </a:p>
+          <a:p>
+            <a:endParaRPr lang="en-US" altLang="zh-TW" dirty="0"/>
+          </a:p>
+          <a:p>
+            <a:endParaRPr lang="zh-TW" altLang="en-US" dirty="0"/>
+          </a:p>
+          <a:p>
+            <a:endParaRPr lang="zh-TW" altLang="en-US" dirty="0"/>
+          </a:p>
+        </p:txBody>
+      </p:sp>
+    </p:spTree>
+    <p:extLst>
+      <p:ext uri="{BB962C8B-B14F-4D97-AF65-F5344CB8AC3E}">
+        <p14:creationId xmlns:p14="http://schemas.microsoft.com/office/powerpoint/2010/main" val="2471909560"/>
+      </p:ext>
+    </p:extLst>
+  </p:cSld>
+  <p:clrMapOvr>
+    <a:masterClrMapping/>
+  </p:clrMapOvr>
+</p:sld>
+</file>
+
 <file path=ppt/slides/slide2.xml><?xml version="1.0" encoding="utf-8"?>
 <p:sld xmlns:a="http://schemas.openxmlformats.org/drawingml/2006/main" xmlns:r="http://schemas.openxmlformats.org/officeDocument/2006/relationships" xmlns:p="http://schemas.openxmlformats.org/presentationml/2006/main">
   <p:cSld>
@@ -4228,6 +4386,338 @@
     <p:extLst>
       <p:ext uri="{BB962C8B-B14F-4D97-AF65-F5344CB8AC3E}">
         <p14:creationId xmlns:p14="http://schemas.microsoft.com/office/powerpoint/2010/main" val="298142601"/>
+      </p:ext>
+    </p:extLst>
+  </p:cSld>
+  <p:clrMapOvr>
+    <a:masterClrMapping/>
+  </p:clrMapOvr>
+</p:sld>
+</file>
+
+<file path=ppt/slides/slide9.xml><?xml version="1.0" encoding="utf-8"?>
+<p:sld xmlns:a="http://schemas.openxmlformats.org/drawingml/2006/main" xmlns:r="http://schemas.openxmlformats.org/officeDocument/2006/relationships" xmlns:p="http://schemas.openxmlformats.org/presentationml/2006/main">
+  <p:cSld>
+    <p:spTree>
+      <p:nvGrpSpPr>
+        <p:cNvPr id="1" name=""/>
+        <p:cNvGrpSpPr/>
+        <p:nvPr/>
+      </p:nvGrpSpPr>
+      <p:grpSpPr>
+        <a:xfrm>
+          <a:off x="0" y="0"/>
+          <a:ext cx="0" cy="0"/>
+          <a:chOff x="0" y="0"/>
+          <a:chExt cx="0" cy="0"/>
+        </a:xfrm>
+      </p:grpSpPr>
+      <p:sp>
+        <p:nvSpPr>
+          <p:cNvPr id="2" name="標題 1">
+            <a:extLst>
+              <a:ext uri="{FF2B5EF4-FFF2-40B4-BE49-F238E27FC236}">
+                <a16:creationId xmlns:a16="http://schemas.microsoft.com/office/drawing/2014/main" id="{884AD931-0812-DD22-24A6-C974DEBB2D12}"/>
+              </a:ext>
+            </a:extLst>
+          </p:cNvPr>
+          <p:cNvSpPr>
+            <a:spLocks noGrp="1"/>
+          </p:cNvSpPr>
+          <p:nvPr>
+            <p:ph type="title"/>
+          </p:nvPr>
+        </p:nvSpPr>
+        <p:spPr/>
+        <p:txBody>
+          <a:bodyPr/>
+          <a:lstStyle/>
+          <a:p>
+            <a:r>
+              <a:rPr lang="en-US" altLang="zh-TW" dirty="0"/>
+              <a:t>HW</a:t>
+            </a:r>
+            <a:endParaRPr lang="zh-TW" altLang="en-US" dirty="0"/>
+          </a:p>
+        </p:txBody>
+      </p:sp>
+      <p:sp>
+        <p:nvSpPr>
+          <p:cNvPr id="3" name="內容版面配置區 2">
+            <a:extLst>
+              <a:ext uri="{FF2B5EF4-FFF2-40B4-BE49-F238E27FC236}">
+                <a16:creationId xmlns:a16="http://schemas.microsoft.com/office/drawing/2014/main" id="{6C33E1F7-22BD-8B24-BCBA-0B0B75EE965D}"/>
+              </a:ext>
+            </a:extLst>
+          </p:cNvPr>
+          <p:cNvSpPr>
+            <a:spLocks noGrp="1"/>
+          </p:cNvSpPr>
+          <p:nvPr>
+            <p:ph idx="1"/>
+          </p:nvPr>
+        </p:nvSpPr>
+        <p:spPr>
+          <a:xfrm>
+            <a:off x="838200" y="1317624"/>
+            <a:ext cx="10515600" cy="4976737"/>
+          </a:xfrm>
+        </p:spPr>
+        <p:txBody>
+          <a:bodyPr>
+            <a:normAutofit lnSpcReduction="10000"/>
+          </a:bodyPr>
+          <a:lstStyle/>
+          <a:p>
+            <a:r>
+              <a:rPr lang="en-US" altLang="zh-TW" sz="2000" dirty="0"/>
+              <a:t>LIST : </a:t>
+            </a:r>
+            <a:r>
+              <a:rPr lang="en-US" altLang="zh-TW" sz="2000" dirty="0">
+                <a:hlinkClick r:id="rId2"/>
+              </a:rPr>
+              <a:t>https://blog.csdn.net/weixin_44996090/article/details/135438369</a:t>
+            </a:r>
+            <a:endParaRPr lang="en-US" altLang="zh-TW" sz="2000" dirty="0"/>
+          </a:p>
+          <a:p>
+            <a:r>
+              <a:rPr lang="zh-TW" altLang="en-US" sz="2000" dirty="0"/>
+              <a:t>快樂數</a:t>
+            </a:r>
+            <a:endParaRPr lang="en-US" altLang="zh-TW" sz="2000" dirty="0"/>
+          </a:p>
+          <a:p>
+            <a:pPr marL="0" indent="0">
+              <a:buNone/>
+            </a:pPr>
+            <a:r>
+              <a:rPr lang="en-US" altLang="zh-TW" sz="2000" dirty="0">
+                <a:hlinkClick r:id="rId3"/>
+              </a:rPr>
+              <a:t>https://zh.wikipedia.org/zh-tw/%E5%BF%AB%E6%A8%82%E6%95%B8</a:t>
+            </a:r>
+            <a:endParaRPr lang="en-US" altLang="zh-TW" sz="2000" dirty="0"/>
+          </a:p>
+          <a:p>
+            <a:pPr marL="0" indent="0">
+              <a:buNone/>
+            </a:pPr>
+            <a:r>
+              <a:rPr lang="zh-TW" altLang="en-US" sz="2000" dirty="0"/>
+              <a:t>不用字串</a:t>
+            </a:r>
+            <a:r>
+              <a:rPr lang="en-US" altLang="zh-TW" sz="2000" dirty="0"/>
+              <a:t>&amp;</a:t>
+            </a:r>
+            <a:r>
+              <a:rPr lang="zh-TW" altLang="en-US" sz="2000" dirty="0"/>
+              <a:t>用字串兩種方式實作</a:t>
+            </a:r>
+          </a:p>
+          <a:p>
+            <a:endParaRPr lang="en-US" altLang="zh-TW" sz="2000" dirty="0"/>
+          </a:p>
+          <a:p>
+            <a:r>
+              <a:rPr lang="zh-TW" altLang="en-US" sz="2000" dirty="0"/>
+              <a:t>功能拆分</a:t>
+            </a:r>
+            <a:r>
+              <a:rPr lang="en-US" altLang="zh-TW" sz="2000" dirty="0"/>
+              <a:t>:</a:t>
+            </a:r>
+          </a:p>
+          <a:p>
+            <a:pPr marL="0" indent="0">
+              <a:buNone/>
+            </a:pPr>
+            <a:r>
+              <a:rPr lang="en-US" altLang="zh-TW" sz="2000" dirty="0"/>
+              <a:t>1.</a:t>
+            </a:r>
+            <a:r>
+              <a:rPr lang="zh-TW" altLang="en-US" sz="2000" dirty="0"/>
+              <a:t>遍歷每一個位數</a:t>
+            </a:r>
+            <a:r>
+              <a:rPr lang="en-US" altLang="zh-TW" sz="2000" dirty="0"/>
+              <a:t>(</a:t>
+            </a:r>
+            <a:r>
+              <a:rPr lang="zh-TW" altLang="en-US" sz="2000" dirty="0"/>
+              <a:t>字串 </a:t>
+            </a:r>
+            <a:r>
+              <a:rPr lang="en-US" altLang="zh-TW" sz="2000" dirty="0"/>
+              <a:t>or </a:t>
+            </a:r>
+            <a:r>
+              <a:rPr lang="zh-TW" altLang="en-US" sz="2000" dirty="0"/>
+              <a:t>數字</a:t>
+            </a:r>
+            <a:r>
+              <a:rPr lang="en-US" altLang="zh-TW" sz="2000" dirty="0"/>
+              <a:t>)</a:t>
+            </a:r>
+            <a:r>
+              <a:rPr lang="zh-TW" altLang="en-US" sz="2000" dirty="0"/>
+              <a:t>，儲存為一個字元矩陣或 </a:t>
+            </a:r>
+            <a:r>
+              <a:rPr lang="en-US" altLang="zh-TW" sz="2000" dirty="0"/>
+              <a:t>int </a:t>
+            </a:r>
+            <a:r>
+              <a:rPr lang="zh-TW" altLang="en-US" sz="2000" dirty="0"/>
+              <a:t>矩陣</a:t>
+            </a:r>
+            <a:endParaRPr lang="en-US" altLang="zh-TW" sz="2000" dirty="0"/>
+          </a:p>
+          <a:p>
+            <a:pPr marL="0" indent="0">
+              <a:buNone/>
+            </a:pPr>
+            <a:r>
+              <a:rPr lang="en-US" altLang="zh-TW" sz="2000" dirty="0"/>
+              <a:t>2.</a:t>
+            </a:r>
+            <a:r>
+              <a:rPr lang="zh-TW" altLang="en-US" sz="2000" dirty="0"/>
+              <a:t>迴圈 </a:t>
+            </a:r>
+            <a:r>
+              <a:rPr lang="en-US" altLang="zh-TW" sz="2000" dirty="0"/>
+              <a:t>:</a:t>
+            </a:r>
+            <a:r>
+              <a:rPr lang="zh-TW" altLang="en-US" sz="2000" dirty="0"/>
+              <a:t> 把矩陣內的每一位數平方相加。 跳出條件 </a:t>
+            </a:r>
+            <a:r>
+              <a:rPr lang="en-US" altLang="zh-TW" sz="2000" dirty="0"/>
+              <a:t>:</a:t>
+            </a:r>
+            <a:r>
+              <a:rPr lang="zh-TW" altLang="en-US" sz="2000" dirty="0"/>
+              <a:t>判斷為快樂數</a:t>
+            </a:r>
+            <a:r>
+              <a:rPr lang="en-US" altLang="zh-TW" sz="2000" dirty="0"/>
+              <a:t>(</a:t>
+            </a:r>
+            <a:r>
+              <a:rPr lang="zh-TW" altLang="en-US" sz="2000" dirty="0"/>
+              <a:t>出現</a:t>
+            </a:r>
+            <a:r>
+              <a:rPr lang="en-US" altLang="zh-TW" sz="2000" dirty="0"/>
+              <a:t>1)</a:t>
+            </a:r>
+            <a:r>
+              <a:rPr lang="zh-TW" altLang="en-US" sz="2000" dirty="0"/>
+              <a:t>或出現重複結果</a:t>
+            </a:r>
+            <a:r>
+              <a:rPr lang="en-US" altLang="zh-TW" sz="2000" dirty="0"/>
+              <a:t>(</a:t>
+            </a:r>
+            <a:r>
+              <a:rPr lang="zh-TW" altLang="en-US" sz="2000" dirty="0"/>
+              <a:t>出現</a:t>
+            </a:r>
+            <a:r>
+              <a:rPr lang="en-US" altLang="zh-TW" sz="2000" dirty="0"/>
+              <a:t>4)</a:t>
+            </a:r>
+            <a:r>
+              <a:rPr lang="zh-TW" altLang="en-US" sz="2000" dirty="0"/>
+              <a:t>。</a:t>
+            </a:r>
+            <a:endParaRPr lang="en-US" altLang="zh-TW" sz="2000" dirty="0"/>
+          </a:p>
+          <a:p>
+            <a:pPr marL="0" indent="0">
+              <a:buNone/>
+            </a:pPr>
+            <a:r>
+              <a:rPr lang="en-US" altLang="zh-TW" sz="2000" dirty="0"/>
+              <a:t>10012356489.</a:t>
+            </a:r>
+          </a:p>
+          <a:p>
+            <a:pPr marL="0" indent="0">
+              <a:buNone/>
+            </a:pPr>
+            <a:r>
+              <a:rPr lang="en-US" altLang="zh-TW" sz="2000" dirty="0"/>
+              <a:t>1.mod10</a:t>
+            </a:r>
+          </a:p>
+          <a:p>
+            <a:pPr marL="0" indent="0">
+              <a:buNone/>
+            </a:pPr>
+            <a:r>
+              <a:rPr lang="en-US" altLang="zh-TW" sz="2000" dirty="0"/>
+              <a:t>2.</a:t>
+            </a:r>
+            <a:r>
+              <a:rPr lang="zh-TW" altLang="en-US" sz="2000" dirty="0"/>
+              <a:t>原結果</a:t>
+            </a:r>
+            <a:r>
+              <a:rPr lang="en-US" altLang="zh-TW" sz="2000" dirty="0"/>
+              <a:t>-</a:t>
+            </a:r>
+            <a:r>
+              <a:rPr lang="zh-TW" altLang="en-US" sz="2000" dirty="0"/>
+              <a:t> </a:t>
+            </a:r>
+            <a:r>
+              <a:rPr lang="en-US" altLang="zh-TW" sz="2000" dirty="0"/>
+              <a:t>Mod </a:t>
+            </a:r>
+            <a:r>
+              <a:rPr lang="zh-TW" altLang="en-US" sz="2000" dirty="0"/>
+              <a:t>後的結果 </a:t>
+            </a:r>
+            <a:r>
+              <a:rPr lang="en-US" altLang="zh-TW" sz="2000" dirty="0"/>
+              <a:t>=&gt;</a:t>
+            </a:r>
+            <a:r>
+              <a:rPr lang="zh-TW" altLang="en-US" sz="2000" dirty="0"/>
+              <a:t> </a:t>
+            </a:r>
+            <a:r>
+              <a:rPr lang="en-US" altLang="zh-TW" sz="2000" dirty="0"/>
+              <a:t>12356480</a:t>
+            </a:r>
+          </a:p>
+          <a:p>
+            <a:pPr marL="0" indent="0">
+              <a:buNone/>
+            </a:pPr>
+            <a:r>
+              <a:rPr lang="en-US" altLang="zh-TW" sz="2000" dirty="0"/>
+              <a:t>3./10=1235648</a:t>
+            </a:r>
+          </a:p>
+          <a:p>
+            <a:pPr marL="0" indent="0">
+              <a:buNone/>
+            </a:pPr>
+            <a:endParaRPr lang="en-US" altLang="zh-TW" dirty="0"/>
+          </a:p>
+        </p:txBody>
+      </p:sp>
+    </p:spTree>
+    <p:extLst>
+      <p:ext uri="{BB962C8B-B14F-4D97-AF65-F5344CB8AC3E}">
+        <p14:creationId xmlns:p14="http://schemas.microsoft.com/office/powerpoint/2010/main" val="2835608531"/>
       </p:ext>
     </p:extLst>
   </p:cSld>
